--- a/Learning Phase/Week 4/Day 2/Spring  Data JPA/Slides/5. Overview of JPA and Creating Your First Entity/overview-of-jpa-and-creating-your-first-entity-slides.pptx
+++ b/Learning Phase/Week 4/Day 2/Spring  Data JPA/Slides/5. Overview of JPA and Creating Your First Entity/overview-of-jpa-and-creating-your-first-entity-slides.pptx
@@ -5,13 +5,13 @@
     <p:sldMasterId id="2147483648" r:id="rId1"/>
   </p:sldMasterIdLst>
   <p:notesMasterIdLst>
-    <p:notesMasterId r:id="rId7"/>
+    <p:notesMasterId r:id="rId6"/>
   </p:notesMasterIdLst>
   <p:sldIdLst>
-    <p:sldId id="256" r:id="rId3"/>
-    <p:sldId id="257" r:id="rId4"/>
-    <p:sldId id="258" r:id="rId5"/>
-    <p:sldId id="259" r:id="rId6"/>
+    <p:sldId id="256" r:id="rId2"/>
+    <p:sldId id="257" r:id="rId3"/>
+    <p:sldId id="258" r:id="rId4"/>
+    <p:sldId id="259" r:id="rId5"/>
   </p:sldIdLst>
   <p:sldSz cx="20104100" cy="11309350"/>
   <p:notesSz cx="20104100" cy="11309350"/>
@@ -107,6 +107,22 @@
       </a:defRPr>
     </a:lvl9pPr>
   </p:defaultTextStyle>
+  <p:extLst>
+    <p:ext uri="{EFAFB233-063F-42B5-8137-9DF3F51BA10A}">
+      <p15:sldGuideLst xmlns:p15="http://schemas.microsoft.com/office/powerpoint/2012/main">
+        <p15:guide id="1" orient="horz" pos="2880">
+          <p15:clr>
+            <a:srgbClr val="A4A3A4"/>
+          </p15:clr>
+        </p15:guide>
+        <p15:guide id="2" pos="2160">
+          <p15:clr>
+            <a:srgbClr val="A4A3A4"/>
+          </p15:clr>
+        </p15:guide>
+      </p15:sldGuideLst>
+    </p:ext>
+  </p:extLst>
 </p:presentation>
 </file>
 
@@ -192,6 +208,7 @@
           <a:p>
             <a:fld id="{3EFD42F7-718C-4B98-AAEC-167E6DDD60A7}" type="datetimeFigureOut">
               <a:rPr lang="en-US" smtClean="0"/>
+              <a:t>2/8/2024</a:t>
             </a:fld>
             <a:endParaRPr lang="en-US"/>
           </a:p>
@@ -255,42 +272,37 @@
           <a:p>
             <a:pPr lvl="0"/>
             <a:r>
-              <a:rPr lang="en-US" smtClean="0"/>
+              <a:rPr lang="en-US"/>
               <a:t>Click to edit Master text styles</a:t>
             </a:r>
-            <a:endParaRPr lang="en-US" smtClean="0"/>
           </a:p>
           <a:p>
             <a:pPr lvl="1"/>
             <a:r>
-              <a:rPr lang="en-US" smtClean="0"/>
+              <a:rPr lang="en-US"/>
               <a:t>Second level</a:t>
             </a:r>
-            <a:endParaRPr lang="en-US" smtClean="0"/>
           </a:p>
           <a:p>
             <a:pPr lvl="2"/>
             <a:r>
-              <a:rPr lang="en-US" smtClean="0"/>
+              <a:rPr lang="en-US"/>
               <a:t>Third level</a:t>
             </a:r>
-            <a:endParaRPr lang="en-US" smtClean="0"/>
           </a:p>
           <a:p>
             <a:pPr lvl="3"/>
             <a:r>
-              <a:rPr lang="en-US" smtClean="0"/>
+              <a:rPr lang="en-US"/>
               <a:t>Fourth level</a:t>
             </a:r>
-            <a:endParaRPr lang="en-US" smtClean="0"/>
           </a:p>
           <a:p>
             <a:pPr lvl="4"/>
             <a:r>
-              <a:rPr lang="en-US" smtClean="0"/>
+              <a:rPr lang="en-US"/>
               <a:t>Fifth level</a:t>
             </a:r>
-            <a:endParaRPr lang="en-US"/>
           </a:p>
         </p:txBody>
       </p:sp>
@@ -354,6 +366,7 @@
           <a:p>
             <a:fld id="{21B2AA4F-B828-4D7C-AFD3-893933DAFCB4}" type="slidenum">
               <a:rPr lang="en-US" smtClean="0"/>
+              <a:t>‹#›</a:t>
             </a:fld>
             <a:endParaRPr lang="en-US"/>
           </a:p>
@@ -458,7 +471,7 @@
 </file>
 
 <file path=ppt/slideLayouts/slideLayout1.xml><?xml version="1.0" encoding="utf-8"?>
-<p:sldLayout xmlns:a="http://schemas.openxmlformats.org/drawingml/2006/main" xmlns:r="http://schemas.openxmlformats.org/officeDocument/2006/relationships" xmlns:p="http://schemas.openxmlformats.org/presentationml/2006/main" type="obj" preserve="1" showMasterSp="0">
+<p:sldLayout xmlns:a="http://schemas.openxmlformats.org/drawingml/2006/main" xmlns:r="http://schemas.openxmlformats.org/officeDocument/2006/relationships" xmlns:p="http://schemas.openxmlformats.org/presentationml/2006/main" showMasterSp="0" type="obj" preserve="1">
   <p:cSld name="Title Slide">
     <p:bg>
       <p:bgPr>
@@ -536,7 +549,9 @@
               </a:defRPr>
             </a:lvl1pPr>
           </a:lstStyle>
-          <a:p/>
+          <a:p>
+            <a:endParaRPr/>
+          </a:p>
         </p:txBody>
       </p:sp>
       <p:sp>
@@ -567,7 +582,9 @@
               <a:defRPr/>
             </a:lvl1pPr>
           </a:lstStyle>
-          <a:p/>
+          <a:p>
+            <a:endParaRPr/>
+          </a:p>
         </p:txBody>
       </p:sp>
       <p:sp>
@@ -594,7 +611,9 @@
               </a:defRPr>
             </a:lvl1pPr>
           </a:lstStyle>
-          <a:p/>
+          <a:p>
+            <a:endParaRPr/>
+          </a:p>
         </p:txBody>
       </p:sp>
       <p:sp>
@@ -624,6 +643,7 @@
           <a:p>
             <a:fld id="{1D8BD707-D9CF-40AE-B4C6-C98DA3205C09}" type="datetimeFigureOut">
               <a:rPr lang="en-US"/>
+              <a:t>2/8/2024</a:t>
             </a:fld>
             <a:endParaRPr lang="en-US"/>
           </a:p>
@@ -656,6 +676,7 @@
           <a:p>
             <a:fld id="{B6F15528-21DE-4FAA-801E-634DDDAF4B2B}" type="slidenum">
               <a:rPr/>
+              <a:t>‹#›</a:t>
             </a:fld>
             <a:endParaRPr/>
           </a:p>
@@ -711,7 +732,9 @@
               </a:defRPr>
             </a:lvl1pPr>
           </a:lstStyle>
-          <a:p/>
+          <a:p>
+            <a:endParaRPr/>
+          </a:p>
         </p:txBody>
       </p:sp>
       <p:sp>
@@ -736,7 +759,9 @@
               </a:defRPr>
             </a:lvl1pPr>
           </a:lstStyle>
-          <a:p/>
+          <a:p>
+            <a:endParaRPr/>
+          </a:p>
         </p:txBody>
       </p:sp>
       <p:sp>
@@ -763,7 +788,9 @@
               </a:defRPr>
             </a:lvl1pPr>
           </a:lstStyle>
-          <a:p/>
+          <a:p>
+            <a:endParaRPr/>
+          </a:p>
         </p:txBody>
       </p:sp>
       <p:sp>
@@ -793,6 +820,7 @@
           <a:p>
             <a:fld id="{1D8BD707-D9CF-40AE-B4C6-C98DA3205C09}" type="datetimeFigureOut">
               <a:rPr lang="en-US"/>
+              <a:t>2/8/2024</a:t>
             </a:fld>
             <a:endParaRPr lang="en-US"/>
           </a:p>
@@ -825,6 +853,7 @@
           <a:p>
             <a:fld id="{B6F15528-21DE-4FAA-801E-634DDDAF4B2B}" type="slidenum">
               <a:rPr/>
+              <a:t>‹#›</a:t>
             </a:fld>
             <a:endParaRPr/>
           </a:p>
@@ -880,7 +909,9 @@
               </a:defRPr>
             </a:lvl1pPr>
           </a:lstStyle>
-          <a:p/>
+          <a:p>
+            <a:endParaRPr/>
+          </a:p>
         </p:txBody>
       </p:sp>
       <p:sp>
@@ -911,7 +942,9 @@
               <a:defRPr/>
             </a:lvl1pPr>
           </a:lstStyle>
-          <a:p/>
+          <a:p>
+            <a:endParaRPr/>
+          </a:p>
         </p:txBody>
       </p:sp>
       <p:sp>
@@ -942,7 +975,9 @@
               <a:defRPr/>
             </a:lvl1pPr>
           </a:lstStyle>
-          <a:p/>
+          <a:p>
+            <a:endParaRPr/>
+          </a:p>
         </p:txBody>
       </p:sp>
       <p:sp>
@@ -969,7 +1004,9 @@
               </a:defRPr>
             </a:lvl1pPr>
           </a:lstStyle>
-          <a:p/>
+          <a:p>
+            <a:endParaRPr/>
+          </a:p>
         </p:txBody>
       </p:sp>
       <p:sp>
@@ -999,6 +1036,7 @@
           <a:p>
             <a:fld id="{1D8BD707-D9CF-40AE-B4C6-C98DA3205C09}" type="datetimeFigureOut">
               <a:rPr lang="en-US"/>
+              <a:t>2/8/2024</a:t>
             </a:fld>
             <a:endParaRPr lang="en-US"/>
           </a:p>
@@ -1031,6 +1069,7 @@
           <a:p>
             <a:fld id="{B6F15528-21DE-4FAA-801E-634DDDAF4B2B}" type="slidenum">
               <a:rPr/>
+              <a:t>‹#›</a:t>
             </a:fld>
             <a:endParaRPr/>
           </a:p>
@@ -1086,7 +1125,9 @@
               </a:defRPr>
             </a:lvl1pPr>
           </a:lstStyle>
-          <a:p/>
+          <a:p>
+            <a:endParaRPr/>
+          </a:p>
         </p:txBody>
       </p:sp>
       <p:sp>
@@ -1113,7 +1154,9 @@
               </a:defRPr>
             </a:lvl1pPr>
           </a:lstStyle>
-          <a:p/>
+          <a:p>
+            <a:endParaRPr/>
+          </a:p>
         </p:txBody>
       </p:sp>
       <p:sp>
@@ -1143,6 +1186,7 @@
           <a:p>
             <a:fld id="{1D8BD707-D9CF-40AE-B4C6-C98DA3205C09}" type="datetimeFigureOut">
               <a:rPr lang="en-US"/>
+              <a:t>2/8/2024</a:t>
             </a:fld>
             <a:endParaRPr lang="en-US"/>
           </a:p>
@@ -1175,6 +1219,7 @@
           <a:p>
             <a:fld id="{B6F15528-21DE-4FAA-801E-634DDDAF4B2B}" type="slidenum">
               <a:rPr/>
+              <a:t>‹#›</a:t>
             </a:fld>
             <a:endParaRPr/>
           </a:p>
@@ -1230,7 +1275,9 @@
               </a:defRPr>
             </a:lvl1pPr>
           </a:lstStyle>
-          <a:p/>
+          <a:p>
+            <a:endParaRPr/>
+          </a:p>
         </p:txBody>
       </p:sp>
       <p:sp>
@@ -1260,6 +1307,7 @@
           <a:p>
             <a:fld id="{1D8BD707-D9CF-40AE-B4C6-C98DA3205C09}" type="datetimeFigureOut">
               <a:rPr lang="en-US"/>
+              <a:t>2/8/2024</a:t>
             </a:fld>
             <a:endParaRPr lang="en-US"/>
           </a:p>
@@ -1292,6 +1340,7 @@
           <a:p>
             <a:fld id="{B6F15528-21DE-4FAA-801E-634DDDAF4B2B}" type="slidenum">
               <a:rPr/>
+              <a:t>‹#›</a:t>
             </a:fld>
             <a:endParaRPr/>
           </a:p>
@@ -1368,7 +1417,9 @@
         <p:txBody>
           <a:bodyPr wrap="square" lIns="0" tIns="0" rIns="0" bIns="0" rtlCol="0"/>
           <a:lstStyle/>
-          <a:p/>
+          <a:p>
+            <a:endParaRPr/>
+          </a:p>
         </p:txBody>
       </p:sp>
       <p:sp>
@@ -1405,7 +1456,9 @@
               </a:defRPr>
             </a:lvl1pPr>
           </a:lstStyle>
-          <a:p/>
+          <a:p>
+            <a:endParaRPr/>
+          </a:p>
         </p:txBody>
       </p:sp>
       <p:sp>
@@ -1440,7 +1493,9 @@
               </a:defRPr>
             </a:lvl1pPr>
           </a:lstStyle>
-          <a:p/>
+          <a:p>
+            <a:endParaRPr/>
+          </a:p>
         </p:txBody>
       </p:sp>
       <p:sp>
@@ -1477,7 +1532,9 @@
               </a:defRPr>
             </a:lvl1pPr>
           </a:lstStyle>
-          <a:p/>
+          <a:p>
+            <a:endParaRPr/>
+          </a:p>
         </p:txBody>
       </p:sp>
       <p:sp>
@@ -1517,6 +1574,7 @@
           <a:p>
             <a:fld id="{1D8BD707-D9CF-40AE-B4C6-C98DA3205C09}" type="datetimeFigureOut">
               <a:rPr lang="en-US"/>
+              <a:t>2/8/2024</a:t>
             </a:fld>
             <a:endParaRPr lang="en-US"/>
           </a:p>
@@ -1559,6 +1617,7 @@
           <a:p>
             <a:fld id="{B6F15528-21DE-4FAA-801E-634DDDAF4B2B}" type="slidenum">
               <a:rPr/>
+              <a:t>‹#›</a:t>
             </a:fld>
             <a:endParaRPr/>
           </a:p>
@@ -1743,7 +1802,7 @@
           <p:nvPr/>
         </p:nvPicPr>
         <p:blipFill>
-          <a:blip r:embed="rId1" cstate="print"/>
+          <a:blip r:embed="rId2" cstate="print"/>
           <a:stretch>
             <a:fillRect/>
           </a:stretch>
@@ -2111,9 +2170,11 @@
         <p:spPr/>
         <p:txBody>
           <a:bodyPr/>
+          <a:lstStyle/>
           <a:p>
             <a:fld id="{B6F15528-21DE-4FAA-801E-634DDDAF4B2B}" type="slidenum">
               <a:rPr/>
+              <a:t>1</a:t>
             </a:fld>
             <a:endParaRPr/>
           </a:p>
@@ -2185,11 +2246,6 @@
               </a:rPr>
               <a:t>@Entity</a:t>
             </a:r>
-            <a:endParaRPr dirty="0">
-              <a:solidFill>
-                <a:srgbClr val="000000"/>
-              </a:solidFill>
-            </a:endParaRPr>
           </a:p>
           <a:p>
             <a:pPr marL="12700">
@@ -2256,11 +2312,6 @@
               </a:rPr>
               <a:t>{</a:t>
             </a:r>
-            <a:endParaRPr dirty="0">
-              <a:solidFill>
-                <a:srgbClr val="000000"/>
-              </a:solidFill>
-            </a:endParaRPr>
           </a:p>
         </p:txBody>
       </p:sp>
@@ -2589,14 +2640,7 @@
                 <a:latin typeface="Verdana" panose="020B0604030504040204"/>
                 <a:cs typeface="Verdana" panose="020B0604030504040204"/>
               </a:rPr>
-              <a:t>V</a:t>
-            </a:r>
-            <a:r>
-              <a:rPr sz="3100" spc="10" dirty="0">
-                <a:latin typeface="Verdana" panose="020B0604030504040204"/>
-                <a:cs typeface="Verdana" panose="020B0604030504040204"/>
-              </a:rPr>
-              <a:t>alue</a:t>
+              <a:t>Value</a:t>
             </a:r>
             <a:endParaRPr sz="3100">
               <a:latin typeface="Verdana" panose="020B0604030504040204"/>
@@ -2618,9 +2662,11 @@
         <p:spPr/>
         <p:txBody>
           <a:bodyPr/>
+          <a:lstStyle/>
           <a:p>
             <a:fld id="{B6F15528-21DE-4FAA-801E-634DDDAF4B2B}" type="slidenum">
               <a:rPr/>
+              <a:t>2</a:t>
             </a:fld>
             <a:endParaRPr/>
           </a:p>
@@ -2701,7 +2747,6 @@
               <a:rPr dirty="0"/>
               <a:t>spring.jpa.properties.hibernate.format_sql=true</a:t>
             </a:r>
-            <a:endParaRPr dirty="0"/>
           </a:p>
         </p:txBody>
       </p:sp>
@@ -2755,10 +2800,6 @@
               </a:rPr>
               <a:t>spring.jpa.hibernate.ddl-auto=create</a:t>
             </a:r>
-            <a:endParaRPr sz="3950">
-              <a:latin typeface="Courier New" panose="02070309020205020404"/>
-              <a:cs typeface="Courier New" panose="02070309020205020404"/>
-            </a:endParaRPr>
           </a:p>
           <a:p>
             <a:pPr>
@@ -2769,7 +2810,7 @@
                 <a:spcPts val="20"/>
               </a:spcBef>
             </a:pPr>
-            <a:endParaRPr sz="5600">
+            <a:endParaRPr sz="5600" dirty="0">
               <a:latin typeface="Courier New" panose="02070309020205020404"/>
               <a:cs typeface="Courier New" panose="02070309020205020404"/>
             </a:endParaRPr>
@@ -2810,7 +2851,7 @@
               </a:rPr>
               <a:t>Creation</a:t>
             </a:r>
-            <a:endParaRPr sz="5900">
+            <a:endParaRPr sz="5900" dirty="0">
               <a:latin typeface="Verdana" panose="020B0604030504040204"/>
               <a:cs typeface="Verdana" panose="020B0604030504040204"/>
             </a:endParaRPr>
@@ -2831,7 +2872,7 @@
               </a:rPr>
               <a:t>create</a:t>
             </a:r>
-            <a:endParaRPr sz="3100">
+            <a:endParaRPr sz="3100" dirty="0">
               <a:latin typeface="Verdana" panose="020B0604030504040204"/>
               <a:cs typeface="Verdana" panose="020B0604030504040204"/>
             </a:endParaRPr>
@@ -2889,14 +2930,7 @@
                 <a:latin typeface="Verdana" panose="020B0604030504040204"/>
                 <a:cs typeface="Verdana" panose="020B0604030504040204"/>
               </a:rPr>
-              <a:t>t</a:t>
-            </a:r>
-            <a:r>
-              <a:rPr sz="3100" spc="10" dirty="0">
-                <a:latin typeface="Verdana" panose="020B0604030504040204"/>
-                <a:cs typeface="Verdana" panose="020B0604030504040204"/>
-              </a:rPr>
-              <a:t>e-d</a:t>
+              <a:t>te-d</a:t>
             </a:r>
             <a:r>
               <a:rPr sz="3100" spc="-50" dirty="0">
@@ -2919,7 +2953,7 @@
               </a:rPr>
               <a:t>validate</a:t>
             </a:r>
-            <a:endParaRPr sz="3100">
+            <a:endParaRPr sz="3100" dirty="0">
               <a:latin typeface="Verdana" panose="020B0604030504040204"/>
               <a:cs typeface="Verdana" panose="020B0604030504040204"/>
             </a:endParaRPr>
@@ -2939,9 +2973,11 @@
         <p:spPr/>
         <p:txBody>
           <a:bodyPr/>
+          <a:lstStyle/>
           <a:p>
             <a:fld id="{B6F15528-21DE-4FAA-801E-634DDDAF4B2B}" type="slidenum">
               <a:rPr/>
+              <a:t>3</a:t>
             </a:fld>
             <a:endParaRPr/>
           </a:p>
@@ -3027,7 +3063,7 @@
         <p:spPr>
           <a:xfrm>
             <a:off x="9066530" y="3815715"/>
-            <a:ext cx="5789930" cy="3609975"/>
+            <a:ext cx="5789930" cy="3467809"/>
           </a:xfrm>
           <a:prstGeom prst="rect">
             <a:avLst/>
@@ -3054,7 +3090,7 @@
               </a:rPr>
               <a:t>@Entity</a:t>
             </a:r>
-            <a:endParaRPr sz="3950">
+            <a:endParaRPr sz="3950" dirty="0">
               <a:latin typeface="Verdana" panose="020B0604030504040204"/>
               <a:cs typeface="Verdana" panose="020B0604030504040204"/>
             </a:endParaRPr>
@@ -3093,10 +3129,6 @@
               </a:rPr>
               <a:t> </a:t>
             </a:r>
-            <a:endParaRPr sz="3950" spc="-1375" dirty="0">
-              <a:latin typeface="Verdana" panose="020B0604030504040204"/>
-              <a:cs typeface="Verdana" panose="020B0604030504040204"/>
-            </a:endParaRPr>
           </a:p>
           <a:p>
             <a:pPr marL="12700" marR="5080">
@@ -3105,11 +3137,11 @@
               </a:lnSpc>
             </a:pPr>
             <a:r>
-              <a:rPr lang="en-US" sz="3950" dirty="0">
-                <a:latin typeface="Verdana" panose="020B0604030504040204"/>
-                <a:cs typeface="Verdana" panose="020B0604030504040204"/>
-              </a:rPr>
-              <a:t>MySQL Workbench</a:t>
+              <a:rPr lang="en-US" sz="3950">
+                <a:latin typeface="Verdana" panose="020B0604030504040204"/>
+                <a:cs typeface="Verdana" panose="020B0604030504040204"/>
+              </a:rPr>
+              <a:t>PgAdmin4 Tool</a:t>
             </a:r>
             <a:endParaRPr sz="3950" dirty="0">
               <a:latin typeface="Verdana" panose="020B0604030504040204"/>
@@ -3129,7 +3161,7 @@
               </a:rPr>
               <a:t>Defaults</a:t>
             </a:r>
-            <a:endParaRPr sz="3950">
+            <a:endParaRPr sz="3950" dirty="0">
               <a:latin typeface="Verdana" panose="020B0604030504040204"/>
               <a:cs typeface="Verdana" panose="020B0604030504040204"/>
             </a:endParaRPr>
@@ -3149,9 +3181,11 @@
         <p:spPr/>
         <p:txBody>
           <a:bodyPr/>
+          <a:lstStyle/>
           <a:p>
             <a:fld id="{B6F15528-21DE-4FAA-801E-634DDDAF4B2B}" type="slidenum">
               <a:rPr/>
+              <a:t>4</a:t>
             </a:fld>
             <a:endParaRPr/>
           </a:p>
@@ -3443,6 +3477,8 @@
       </a:bgFillStyleLst>
     </a:fmtScheme>
   </a:themeElements>
+  <a:objectDefaults/>
+  <a:extraClrSchemeLst/>
   <a:extLst>
     <a:ext uri="{05A4C25C-085E-4340-85A3-A5531E510DB2}">
       <thm15:themeFamily xmlns:thm15="http://schemas.microsoft.com/office/thememl/2012/main" name="Office Theme" id="{62F939B6-93AF-4DB8-9C6B-D6C7DFDC589F}" vid="{4A3C46E8-61CC-4603-A589-7422A47A8E4A}"/>
@@ -3702,6 +3738,8 @@
       </a:bgFillStyleLst>
     </a:fmtScheme>
   </a:themeElements>
+  <a:objectDefaults/>
+  <a:extraClrSchemeLst/>
   <a:extLst>
     <a:ext uri="{05A4C25C-085E-4340-85A3-A5531E510DB2}">
       <thm15:themeFamily xmlns:thm15="http://schemas.microsoft.com/office/thememl/2012/main" name="Office Theme" id="{62F939B6-93AF-4DB8-9C6B-D6C7DFDC589F}" vid="{4A3C46E8-61CC-4603-A589-7422A47A8E4A}"/>
